--- a/assets/ppt/intro/in2-trusting-trust.pptx
+++ b/assets/ppt/intro/in2-trusting-trust.pptx
@@ -14677,11 +14677,506 @@
           </a:ln>
         </p:spPr>
       </p:cxnSp>
+      <p:grpSp>
+        <p:nvGrpSpPr>
+          <p:cNvPr id="2" name="Group 1">
+            <a:extLst>
+              <a:ext uri="{FF2B5EF4-FFF2-40B4-BE49-F238E27FC236}">
+                <a16:creationId xmlns:a16="http://schemas.microsoft.com/office/drawing/2014/main" id="{E7F8560D-2441-6045-B9D6-A0B707C53FF8}"/>
+              </a:ext>
+            </a:extLst>
+          </p:cNvPr>
+          <p:cNvGrpSpPr/>
+          <p:nvPr/>
+        </p:nvGrpSpPr>
+        <p:grpSpPr>
+          <a:xfrm>
+            <a:off x="5243511" y="179475"/>
+            <a:ext cx="2937598" cy="1248393"/>
+            <a:chOff x="5243512" y="233935"/>
+            <a:chExt cx="2937598" cy="1248393"/>
+          </a:xfrm>
+        </p:grpSpPr>
+        <p:sp>
+          <p:nvSpPr>
+            <p:cNvPr id="15" name="TextBox 14">
+              <a:extLst>
+                <a:ext uri="{FF2B5EF4-FFF2-40B4-BE49-F238E27FC236}">
+                  <a16:creationId xmlns:a16="http://schemas.microsoft.com/office/drawing/2014/main" id="{D37C326E-7BD0-E245-A8E6-EB9C27E7C32A}"/>
+                </a:ext>
+              </a:extLst>
+            </p:cNvPr>
+            <p:cNvSpPr txBox="1"/>
+            <p:nvPr/>
+          </p:nvSpPr>
+          <p:spPr>
+            <a:xfrm>
+              <a:off x="5243512" y="558997"/>
+              <a:ext cx="2937598" cy="923331"/>
+            </a:xfrm>
+            <a:prstGeom prst="rect">
+              <a:avLst/>
+            </a:prstGeom>
+            <a:noFill/>
+          </p:spPr>
+          <p:txBody>
+            <a:bodyPr wrap="square" rtlCol="0">
+              <a:spAutoFit/>
+            </a:bodyPr>
+            <a:lstStyle/>
+            <a:p>
+              <a:r>
+                <a:rPr lang="en-US" sz="1350" dirty="0">
+                  <a:latin typeface="Consolas" panose="020B0609020204030204" pitchFamily="49" charset="0"/>
+                  <a:cs typeface="Consolas" panose="020B0609020204030204" pitchFamily="49" charset="0"/>
+                </a:rPr>
+                <a:t>#include &lt;</a:t>
+              </a:r>
+              <a:r>
+                <a:rPr lang="en-US" sz="1350" dirty="0" err="1">
+                  <a:latin typeface="Consolas" panose="020B0609020204030204" pitchFamily="49" charset="0"/>
+                  <a:cs typeface="Consolas" panose="020B0609020204030204" pitchFamily="49" charset="0"/>
+                </a:rPr>
+                <a:t>stdio.h</a:t>
+              </a:r>
+              <a:r>
+                <a:rPr lang="en-US" sz="1350" dirty="0">
+                  <a:latin typeface="Consolas" panose="020B0609020204030204" pitchFamily="49" charset="0"/>
+                  <a:cs typeface="Consolas" panose="020B0609020204030204" pitchFamily="49" charset="0"/>
+                </a:rPr>
+                <a:t>&gt;</a:t>
+              </a:r>
+            </a:p>
+            <a:p>
+              <a:r>
+                <a:rPr lang="en-US" sz="1350" dirty="0">
+                  <a:latin typeface="Consolas" panose="020B0609020204030204" pitchFamily="49" charset="0"/>
+                  <a:cs typeface="Consolas" panose="020B0609020204030204" pitchFamily="49" charset="0"/>
+                </a:rPr>
+                <a:t>int main() {</a:t>
+              </a:r>
+            </a:p>
+            <a:p>
+              <a:r>
+                <a:rPr lang="en-US" sz="1350" dirty="0">
+                  <a:latin typeface="Consolas" panose="020B0609020204030204" pitchFamily="49" charset="0"/>
+                  <a:cs typeface="Consolas" panose="020B0609020204030204" pitchFamily="49" charset="0"/>
+                </a:rPr>
+                <a:t>    </a:t>
+              </a:r>
+              <a:r>
+                <a:rPr lang="en-US" sz="1350" dirty="0" err="1">
+                  <a:latin typeface="Consolas" panose="020B0609020204030204" pitchFamily="49" charset="0"/>
+                  <a:cs typeface="Consolas" panose="020B0609020204030204" pitchFamily="49" charset="0"/>
+                </a:rPr>
+                <a:t>printf</a:t>
+              </a:r>
+              <a:r>
+                <a:rPr lang="en-US" sz="1350" dirty="0">
+                  <a:latin typeface="Consolas" panose="020B0609020204030204" pitchFamily="49" charset="0"/>
+                  <a:cs typeface="Consolas" panose="020B0609020204030204" pitchFamily="49" charset="0"/>
+                </a:rPr>
+                <a:t>("hello world!\n");</a:t>
+              </a:r>
+            </a:p>
+            <a:p>
+              <a:r>
+                <a:rPr lang="en-US" sz="1350" dirty="0">
+                  <a:latin typeface="Consolas" panose="020B0609020204030204" pitchFamily="49" charset="0"/>
+                  <a:cs typeface="Consolas" panose="020B0609020204030204" pitchFamily="49" charset="0"/>
+                </a:rPr>
+                <a:t>}</a:t>
+              </a:r>
+            </a:p>
+          </p:txBody>
+        </p:sp>
+        <p:sp>
+          <p:nvSpPr>
+            <p:cNvPr id="16" name="TextBox 15">
+              <a:extLst>
+                <a:ext uri="{FF2B5EF4-FFF2-40B4-BE49-F238E27FC236}">
+                  <a16:creationId xmlns:a16="http://schemas.microsoft.com/office/drawing/2014/main" id="{B8223034-767A-BD48-A36C-09D8B36313D3}"/>
+                </a:ext>
+              </a:extLst>
+            </p:cNvPr>
+            <p:cNvSpPr txBox="1"/>
+            <p:nvPr/>
+          </p:nvSpPr>
+          <p:spPr>
+            <a:xfrm>
+              <a:off x="5320957" y="233935"/>
+              <a:ext cx="684803" cy="300082"/>
+            </a:xfrm>
+            <a:prstGeom prst="rect">
+              <a:avLst/>
+            </a:prstGeom>
+            <a:solidFill>
+              <a:schemeClr val="accent4">
+                <a:lumMod val="60000"/>
+                <a:lumOff val="40000"/>
+              </a:schemeClr>
+            </a:solidFill>
+          </p:spPr>
+          <p:txBody>
+            <a:bodyPr wrap="none" rtlCol="0">
+              <a:spAutoFit/>
+            </a:bodyPr>
+            <a:lstStyle/>
+            <a:p>
+              <a:r>
+                <a:rPr lang="en-US" sz="1350" dirty="0" err="1"/>
+                <a:t>hello.c</a:t>
+              </a:r>
+              <a:endParaRPr lang="en-US" sz="1350" dirty="0"/>
+            </a:p>
+          </p:txBody>
+        </p:sp>
+      </p:grpSp>
+      <p:sp>
+        <p:nvSpPr>
+          <p:cNvPr id="18" name="TextBox 17">
+            <a:extLst>
+              <a:ext uri="{FF2B5EF4-FFF2-40B4-BE49-F238E27FC236}">
+                <a16:creationId xmlns:a16="http://schemas.microsoft.com/office/drawing/2014/main" id="{2A04B7FB-D33E-D945-9BE4-0BF6CD99804F}"/>
+              </a:ext>
+            </a:extLst>
+          </p:cNvPr>
+          <p:cNvSpPr txBox="1"/>
+          <p:nvPr/>
+        </p:nvSpPr>
+        <p:spPr>
+          <a:xfrm>
+            <a:off x="5349962" y="1571604"/>
+            <a:ext cx="1800493" cy="300082"/>
+          </a:xfrm>
+          <a:prstGeom prst="rect">
+            <a:avLst/>
+          </a:prstGeom>
+          <a:solidFill>
+            <a:schemeClr val="accent4">
+              <a:lumMod val="60000"/>
+              <a:lumOff val="40000"/>
+            </a:schemeClr>
+          </a:solidFill>
+        </p:spPr>
+        <p:txBody>
+          <a:bodyPr wrap="none" rtlCol="0">
+            <a:spAutoFit/>
+          </a:bodyPr>
+          <a:lstStyle/>
+          <a:p>
+            <a:r>
+              <a:rPr lang="en-US" sz="1350" dirty="0"/>
+              <a:t>clang –o hello </a:t>
+            </a:r>
+            <a:r>
+              <a:rPr lang="en-US" sz="1350" dirty="0" err="1"/>
+              <a:t>hello.c</a:t>
+            </a:r>
+            <a:endParaRPr lang="en-US" sz="1350" dirty="0"/>
+          </a:p>
+        </p:txBody>
+      </p:sp>
+      <p:sp>
+        <p:nvSpPr>
+          <p:cNvPr id="19" name="TextBox 18">
+            <a:extLst>
+              <a:ext uri="{FF2B5EF4-FFF2-40B4-BE49-F238E27FC236}">
+                <a16:creationId xmlns:a16="http://schemas.microsoft.com/office/drawing/2014/main" id="{D7F73B1E-6564-4644-96B5-F3F1F10C1D2A}"/>
+              </a:ext>
+            </a:extLst>
+          </p:cNvPr>
+          <p:cNvSpPr txBox="1"/>
+          <p:nvPr/>
+        </p:nvSpPr>
+        <p:spPr>
+          <a:xfrm>
+            <a:off x="5349962" y="2626497"/>
+            <a:ext cx="550151" cy="300082"/>
+          </a:xfrm>
+          <a:prstGeom prst="rect">
+            <a:avLst/>
+          </a:prstGeom>
+          <a:solidFill>
+            <a:schemeClr val="accent4">
+              <a:lumMod val="60000"/>
+              <a:lumOff val="40000"/>
+            </a:schemeClr>
+          </a:solidFill>
+        </p:spPr>
+        <p:txBody>
+          <a:bodyPr wrap="none" rtlCol="0">
+            <a:spAutoFit/>
+          </a:bodyPr>
+          <a:lstStyle/>
+          <a:p>
+            <a:r>
+              <a:rPr lang="en-US" sz="1350" dirty="0"/>
+              <a:t>hello</a:t>
+            </a:r>
+          </a:p>
+        </p:txBody>
+      </p:sp>
+      <p:sp>
+        <p:nvSpPr>
+          <p:cNvPr id="20" name="TextBox 19">
+            <a:extLst>
+              <a:ext uri="{FF2B5EF4-FFF2-40B4-BE49-F238E27FC236}">
+                <a16:creationId xmlns:a16="http://schemas.microsoft.com/office/drawing/2014/main" id="{7F4528A8-38AF-654C-AFD8-8A333A569505}"/>
+              </a:ext>
+            </a:extLst>
+          </p:cNvPr>
+          <p:cNvSpPr txBox="1"/>
+          <p:nvPr/>
+        </p:nvSpPr>
+        <p:spPr>
+          <a:xfrm>
+            <a:off x="4033823" y="4164806"/>
+            <a:ext cx="790601" cy="300082"/>
+          </a:xfrm>
+          <a:prstGeom prst="rect">
+            <a:avLst/>
+          </a:prstGeom>
+          <a:solidFill>
+            <a:schemeClr val="accent4">
+              <a:lumMod val="60000"/>
+              <a:lumOff val="40000"/>
+            </a:schemeClr>
+          </a:solidFill>
+        </p:spPr>
+        <p:txBody>
+          <a:bodyPr wrap="none" rtlCol="0">
+            <a:spAutoFit/>
+          </a:bodyPr>
+          <a:lstStyle/>
+          <a:p>
+            <a:r>
+              <a:rPr lang="en-US" sz="1350" dirty="0"/>
+              <a:t>$ ./hello</a:t>
+            </a:r>
+          </a:p>
+        </p:txBody>
+      </p:sp>
     </p:spTree>
   </p:cSld>
   <p:clrMapOvr>
     <a:masterClrMapping/>
   </p:clrMapOvr>
+  <p:timing>
+    <p:tnLst>
+      <p:par>
+        <p:cTn id="1" dur="indefinite" restart="never" nodeType="tmRoot">
+          <p:childTnLst>
+            <p:seq concurrent="1" nextAc="seek">
+              <p:cTn id="2" dur="indefinite" nodeType="mainSeq">
+                <p:childTnLst>
+                  <p:par>
+                    <p:cTn id="3" fill="hold">
+                      <p:stCondLst>
+                        <p:cond delay="indefinite"/>
+                      </p:stCondLst>
+                      <p:childTnLst>
+                        <p:par>
+                          <p:cTn id="4" fill="hold">
+                            <p:stCondLst>
+                              <p:cond delay="0"/>
+                            </p:stCondLst>
+                            <p:childTnLst>
+                              <p:par>
+                                <p:cTn id="5" presetID="1" presetClass="entr" presetSubtype="0" fill="hold" nodeType="clickEffect">
+                                  <p:stCondLst>
+                                    <p:cond delay="0"/>
+                                  </p:stCondLst>
+                                  <p:childTnLst>
+                                    <p:set>
+                                      <p:cBhvr>
+                                        <p:cTn id="6" dur="1" fill="hold">
+                                          <p:stCondLst>
+                                            <p:cond delay="0"/>
+                                          </p:stCondLst>
+                                        </p:cTn>
+                                        <p:tgtEl>
+                                          <p:spTgt spid="2"/>
+                                        </p:tgtEl>
+                                        <p:attrNameLst>
+                                          <p:attrName>style.visibility</p:attrName>
+                                        </p:attrNameLst>
+                                      </p:cBhvr>
+                                      <p:to>
+                                        <p:strVal val="visible"/>
+                                      </p:to>
+                                    </p:set>
+                                  </p:childTnLst>
+                                </p:cTn>
+                              </p:par>
+                            </p:childTnLst>
+                          </p:cTn>
+                        </p:par>
+                      </p:childTnLst>
+                    </p:cTn>
+                  </p:par>
+                  <p:par>
+                    <p:cTn id="7" fill="hold">
+                      <p:stCondLst>
+                        <p:cond delay="indefinite"/>
+                      </p:stCondLst>
+                      <p:childTnLst>
+                        <p:par>
+                          <p:cTn id="8" fill="hold">
+                            <p:stCondLst>
+                              <p:cond delay="0"/>
+                            </p:stCondLst>
+                            <p:childTnLst>
+                              <p:par>
+                                <p:cTn id="9" presetID="1" presetClass="entr" presetSubtype="0" fill="hold" grpId="0" nodeType="clickEffect">
+                                  <p:stCondLst>
+                                    <p:cond delay="0"/>
+                                  </p:stCondLst>
+                                  <p:childTnLst>
+                                    <p:set>
+                                      <p:cBhvr>
+                                        <p:cTn id="10" dur="1" fill="hold">
+                                          <p:stCondLst>
+                                            <p:cond delay="0"/>
+                                          </p:stCondLst>
+                                        </p:cTn>
+                                        <p:tgtEl>
+                                          <p:spTgt spid="18"/>
+                                        </p:tgtEl>
+                                        <p:attrNameLst>
+                                          <p:attrName>style.visibility</p:attrName>
+                                        </p:attrNameLst>
+                                      </p:cBhvr>
+                                      <p:to>
+                                        <p:strVal val="visible"/>
+                                      </p:to>
+                                    </p:set>
+                                  </p:childTnLst>
+                                </p:cTn>
+                              </p:par>
+                            </p:childTnLst>
+                          </p:cTn>
+                        </p:par>
+                      </p:childTnLst>
+                    </p:cTn>
+                  </p:par>
+                  <p:par>
+                    <p:cTn id="11" fill="hold">
+                      <p:stCondLst>
+                        <p:cond delay="indefinite"/>
+                      </p:stCondLst>
+                      <p:childTnLst>
+                        <p:par>
+                          <p:cTn id="12" fill="hold">
+                            <p:stCondLst>
+                              <p:cond delay="0"/>
+                            </p:stCondLst>
+                            <p:childTnLst>
+                              <p:par>
+                                <p:cTn id="13" presetID="1" presetClass="entr" presetSubtype="0" fill="hold" grpId="0" nodeType="clickEffect">
+                                  <p:stCondLst>
+                                    <p:cond delay="0"/>
+                                  </p:stCondLst>
+                                  <p:childTnLst>
+                                    <p:set>
+                                      <p:cBhvr>
+                                        <p:cTn id="14" dur="1" fill="hold">
+                                          <p:stCondLst>
+                                            <p:cond delay="0"/>
+                                          </p:stCondLst>
+                                        </p:cTn>
+                                        <p:tgtEl>
+                                          <p:spTgt spid="19"/>
+                                        </p:tgtEl>
+                                        <p:attrNameLst>
+                                          <p:attrName>style.visibility</p:attrName>
+                                        </p:attrNameLst>
+                                      </p:cBhvr>
+                                      <p:to>
+                                        <p:strVal val="visible"/>
+                                      </p:to>
+                                    </p:set>
+                                  </p:childTnLst>
+                                </p:cTn>
+                              </p:par>
+                            </p:childTnLst>
+                          </p:cTn>
+                        </p:par>
+                      </p:childTnLst>
+                    </p:cTn>
+                  </p:par>
+                  <p:par>
+                    <p:cTn id="15" fill="hold">
+                      <p:stCondLst>
+                        <p:cond delay="indefinite"/>
+                      </p:stCondLst>
+                      <p:childTnLst>
+                        <p:par>
+                          <p:cTn id="16" fill="hold">
+                            <p:stCondLst>
+                              <p:cond delay="0"/>
+                            </p:stCondLst>
+                            <p:childTnLst>
+                              <p:par>
+                                <p:cTn id="17" presetID="1" presetClass="entr" presetSubtype="0" fill="hold" grpId="0" nodeType="clickEffect">
+                                  <p:stCondLst>
+                                    <p:cond delay="0"/>
+                                  </p:stCondLst>
+                                  <p:childTnLst>
+                                    <p:set>
+                                      <p:cBhvr>
+                                        <p:cTn id="18" dur="1" fill="hold">
+                                          <p:stCondLst>
+                                            <p:cond delay="0"/>
+                                          </p:stCondLst>
+                                        </p:cTn>
+                                        <p:tgtEl>
+                                          <p:spTgt spid="20"/>
+                                        </p:tgtEl>
+                                        <p:attrNameLst>
+                                          <p:attrName>style.visibility</p:attrName>
+                                        </p:attrNameLst>
+                                      </p:cBhvr>
+                                      <p:to>
+                                        <p:strVal val="visible"/>
+                                      </p:to>
+                                    </p:set>
+                                  </p:childTnLst>
+                                </p:cTn>
+                              </p:par>
+                            </p:childTnLst>
+                          </p:cTn>
+                        </p:par>
+                      </p:childTnLst>
+                    </p:cTn>
+                  </p:par>
+                </p:childTnLst>
+              </p:cTn>
+              <p:prevCondLst>
+                <p:cond evt="onPrev" delay="0">
+                  <p:tgtEl>
+                    <p:sldTgt/>
+                  </p:tgtEl>
+                </p:cond>
+              </p:prevCondLst>
+              <p:nextCondLst>
+                <p:cond evt="onNext" delay="0">
+                  <p:tgtEl>
+                    <p:sldTgt/>
+                  </p:tgtEl>
+                </p:cond>
+              </p:nextCondLst>
+            </p:seq>
+          </p:childTnLst>
+        </p:cTn>
+      </p:par>
+    </p:tnLst>
+    <p:bldLst>
+      <p:bldP spid="18" grpId="0" animBg="1"/>
+      <p:bldP spid="19" grpId="0" animBg="1"/>
+      <p:bldP spid="20" grpId="0" animBg="1"/>
+    </p:bldLst>
+  </p:timing>
 </p:sld>
 </file>
 
